--- a/Web-Phrophecies/doc/Abgabe/FinalPresentationforClass.pptx
+++ b/Web-Phrophecies/doc/Abgabe/FinalPresentationforClass.pptx
@@ -195,7 +195,7 @@
       </p14:sectionLst>
     </p:ext>
     <p:ext uri="{EFAFB233-063F-42B5-8137-9DF3F51BA10A}">
-      <p15:sldGuideLst xmlns="" xmlns:p15="http://schemas.microsoft.com/office/powerpoint/2012/main">
+      <p15:sldGuideLst xmlns:p15="http://schemas.microsoft.com/office/powerpoint/2012/main" xmlns="">
         <p15:guide id="1" orient="horz" pos="2069" userDrawn="1">
           <p15:clr>
             <a:srgbClr val="A4A3A4"/>
@@ -209,7 +209,7 @@
       </p15:sldGuideLst>
     </p:ext>
     <p:ext uri="{2D200454-40CA-4A62-9FC3-DE9A4176ACB9}">
-      <p15:notesGuideLst xmlns="" xmlns:p15="http://schemas.microsoft.com/office/powerpoint/2012/main">
+      <p15:notesGuideLst xmlns:p15="http://schemas.microsoft.com/office/powerpoint/2012/main" xmlns="">
         <p15:guide id="1" orient="horz" pos="3110">
           <p15:clr>
             <a:srgbClr val="A4A3A4"/>
@@ -7010,11 +7010,11 @@
   <p:clrMapOvr>
     <a:masterClrMapping/>
   </p:clrMapOvr>
-  <mc:AlternateContent xmlns:mc="http://schemas.openxmlformats.org/markup-compatibility/2006">
-    <mc:Choice xmlns:p14="http://schemas.microsoft.com/office/powerpoint/2010/main" Requires="p14">
+  <mc:AlternateContent xmlns:mc="http://schemas.openxmlformats.org/markup-compatibility/2006" xmlns:p14="http://schemas.microsoft.com/office/powerpoint/2010/main">
+    <mc:Choice Requires="p14">
       <p:transition spd="slow" p14:dur="2000"/>
     </mc:Choice>
-    <mc:Fallback>
+    <mc:Fallback xmlns="">
       <p:transition spd="slow"/>
     </mc:Fallback>
   </mc:AlternateContent>
@@ -7263,11 +7263,11 @@
   <p:clrMapOvr>
     <a:masterClrMapping/>
   </p:clrMapOvr>
-  <mc:AlternateContent xmlns:mc="http://schemas.openxmlformats.org/markup-compatibility/2006">
-    <mc:Choice xmlns:p14="http://schemas.microsoft.com/office/powerpoint/2010/main" Requires="p14">
+  <mc:AlternateContent xmlns:mc="http://schemas.openxmlformats.org/markup-compatibility/2006" xmlns:p14="http://schemas.microsoft.com/office/powerpoint/2010/main">
+    <mc:Choice Requires="p14">
       <p:transition spd="slow" p14:dur="2000"/>
     </mc:Choice>
-    <mc:Fallback>
+    <mc:Fallback xmlns="">
       <p:transition spd="slow"/>
     </mc:Fallback>
   </mc:AlternateContent>
@@ -7591,11 +7591,11 @@
   <p:clrMapOvr>
     <a:masterClrMapping/>
   </p:clrMapOvr>
-  <mc:AlternateContent xmlns:mc="http://schemas.openxmlformats.org/markup-compatibility/2006">
-    <mc:Choice xmlns:p14="http://schemas.microsoft.com/office/powerpoint/2010/main" Requires="p14">
+  <mc:AlternateContent xmlns:mc="http://schemas.openxmlformats.org/markup-compatibility/2006" xmlns:p14="http://schemas.microsoft.com/office/powerpoint/2010/main">
+    <mc:Choice Requires="p14">
       <p:transition spd="slow" p14:dur="2000"/>
     </mc:Choice>
-    <mc:Fallback>
+    <mc:Fallback xmlns="">
       <p:transition spd="slow"/>
     </mc:Fallback>
   </mc:AlternateContent>
@@ -7716,11 +7716,11 @@
   <p:clrMapOvr>
     <a:masterClrMapping/>
   </p:clrMapOvr>
-  <mc:AlternateContent xmlns:mc="http://schemas.openxmlformats.org/markup-compatibility/2006">
-    <mc:Choice xmlns:p14="http://schemas.microsoft.com/office/powerpoint/2010/main" Requires="p14">
+  <mc:AlternateContent xmlns:mc="http://schemas.openxmlformats.org/markup-compatibility/2006" xmlns:p14="http://schemas.microsoft.com/office/powerpoint/2010/main">
+    <mc:Choice Requires="p14">
       <p:transition spd="slow" p14:dur="2000"/>
     </mc:Choice>
-    <mc:Fallback>
+    <mc:Fallback xmlns="">
       <p:transition spd="slow"/>
     </mc:Fallback>
   </mc:AlternateContent>
@@ -7935,11 +7935,11 @@
   <p:clrMapOvr>
     <a:masterClrMapping/>
   </p:clrMapOvr>
-  <mc:AlternateContent xmlns:mc="http://schemas.openxmlformats.org/markup-compatibility/2006">
-    <mc:Choice xmlns:p14="http://schemas.microsoft.com/office/powerpoint/2010/main" Requires="p14">
+  <mc:AlternateContent xmlns:mc="http://schemas.openxmlformats.org/markup-compatibility/2006" xmlns:p14="http://schemas.microsoft.com/office/powerpoint/2010/main">
+    <mc:Choice Requires="p14">
       <p:transition spd="slow" p14:dur="2000"/>
     </mc:Choice>
-    <mc:Fallback>
+    <mc:Fallback xmlns="">
       <p:transition spd="slow"/>
     </mc:Fallback>
   </mc:AlternateContent>
@@ -8328,11 +8328,15 @@
             </a:r>
             <a:r>
               <a:rPr lang="de-CH" dirty="0" err="1" smtClean="0"/>
-              <a:t>writen</a:t>
+              <a:t>written</a:t>
             </a:r>
             <a:r>
               <a:rPr lang="de-CH" dirty="0" smtClean="0"/>
-              <a:t> in </a:t>
+              <a:t> </a:t>
+            </a:r>
+            <a:r>
+              <a:rPr lang="de-CH" dirty="0" smtClean="0"/>
+              <a:t>in </a:t>
             </a:r>
             <a:r>
               <a:rPr lang="de-CH" dirty="0" err="1" smtClean="0"/>
@@ -8478,7 +8482,6 @@
               <a:rPr lang="en-US" sz="2800" dirty="0" smtClean="0"/>
               <a:t>We are still not sure how to handle includes properly</a:t>
             </a:r>
-            <a:endParaRPr lang="en-US" sz="2800" dirty="0" smtClean="0"/>
           </a:p>
           <a:p>
             <a:pPr>
@@ -8490,7 +8493,6 @@
               <a:rPr lang="en-US" sz="2800" dirty="0" smtClean="0"/>
               <a:t>Best practice in general?!</a:t>
             </a:r>
-            <a:endParaRPr lang="en-US" sz="2800" dirty="0" smtClean="0"/>
           </a:p>
         </p:txBody>
       </p:sp>
@@ -9347,11 +9349,7 @@
             </a:r>
             <a:r>
               <a:rPr lang="de-CH" dirty="0" smtClean="0"/>
-              <a:t>, Skype </a:t>
-            </a:r>
-            <a:r>
-              <a:rPr lang="de-CH" dirty="0" smtClean="0"/>
-              <a:t>Status)</a:t>
+              <a:t>, Skype Status)</a:t>
             </a:r>
             <a:endParaRPr lang="de-CH" dirty="0"/>
           </a:p>
@@ -9617,11 +9615,11 @@
   <p:clrMapOvr>
     <a:masterClrMapping/>
   </p:clrMapOvr>
-  <mc:AlternateContent xmlns:mc="http://schemas.openxmlformats.org/markup-compatibility/2006">
-    <mc:Choice xmlns:p14="http://schemas.microsoft.com/office/powerpoint/2010/main" Requires="p14">
+  <mc:AlternateContent xmlns:mc="http://schemas.openxmlformats.org/markup-compatibility/2006" xmlns:p14="http://schemas.microsoft.com/office/powerpoint/2010/main">
+    <mc:Choice Requires="p14">
       <p:transition spd="slow" p14:dur="2000"/>
     </mc:Choice>
-    <mc:Fallback>
+    <mc:Fallback xmlns="">
       <p:transition spd="slow"/>
     </mc:Fallback>
   </mc:AlternateContent>
@@ -10763,6 +10761,33 @@
 </file>
 
 <file path=customXml/item1.xml><?xml version="1.0" encoding="utf-8"?>
+<?mso-contentType ?>
+<FormTemplates xmlns="http://schemas.microsoft.com/sharepoint/v3/contenttype/forms">
+  <Display>DocumentLibraryForm</Display>
+  <Edit>DocumentLibraryForm</Edit>
+  <New>DocumentLibraryForm</New>
+</FormTemplates>
+</file>
+
+<file path=customXml/item2.xml><?xml version="1.0" encoding="utf-8"?>
+<p:properties xmlns:p="http://schemas.microsoft.com/office/2006/metadata/properties" xmlns:xsi="http://www.w3.org/2001/XMLSchema-instance" xmlns:pc="http://schemas.microsoft.com/office/infopath/2007/PartnerControls">
+  <documentManagement>
+    <TaxCatchAll xmlns="2551ef7e-3b29-44d1-a8ad-ef34c26bfc60">
+      <Value>241</Value>
+    </TaxCatchAll>
+    <BfhIntranetDepartmentText xmlns="4b463c31-e9b0-413b-88df-ea7e9f53a7ba">
+      <Terms xmlns="http://schemas.microsoft.com/office/infopath/2007/PartnerControls">
+        <TermInfo xmlns="http://schemas.microsoft.com/office/infopath/2007/PartnerControls">
+          <TermName xmlns="http://schemas.microsoft.com/office/infopath/2007/PartnerControls">Vorlage</TermName>
+          <TermId xmlns="http://schemas.microsoft.com/office/infopath/2007/PartnerControls">de1a6d3c-ac6a-4b34-8edd-308eb81066db</TermId>
+        </TermInfo>
+      </Terms>
+    </BfhIntranetDepartmentText>
+  </documentManagement>
+</p:properties>
+</file>
+
+<file path=customXml/item3.xml><?xml version="1.0" encoding="utf-8"?>
 <ct:contentTypeSchema xmlns:ct="http://schemas.microsoft.com/office/2006/metadata/contentType" xmlns:ma="http://schemas.microsoft.com/office/2006/metadata/properties/metaAttributes" ct:_="" ma:_="" ma:contentTypeName="BFH Document" ma:contentTypeID="0x0101009127C3B567804923A8661E062BBD8EF500562C9D82744B284A86093F1D9B579BDC" ma:contentTypeVersion="2" ma:contentTypeDescription="Ein neues Dokument erstellen." ma:contentTypeScope="" ma:versionID="85c74107ca2205fa2d79ffbd44cb7ca7">
   <xsd:schema xmlns:xsd="http://www.w3.org/2001/XMLSchema" xmlns:xs="http://www.w3.org/2001/XMLSchema" xmlns:p="http://schemas.microsoft.com/office/2006/metadata/properties" xmlns:ns2="4b463c31-e9b0-413b-88df-ea7e9f53a7ba" xmlns:ns3="2551ef7e-3b29-44d1-a8ad-ef34c26bfc60" targetNamespace="http://schemas.microsoft.com/office/2006/metadata/properties" ma:root="true" ma:fieldsID="850aabddd6d95701c4b28714f3a316c8" ns2:_="" ns3:_="">
     <xsd:import namespace="4b463c31-e9b0-413b-88df-ea7e9f53a7ba"/>
@@ -10907,48 +10932,10 @@
 </ct:contentTypeSchema>
 </file>
 
-<file path=customXml/item2.xml><?xml version="1.0" encoding="utf-8"?>
-<p:properties xmlns:p="http://schemas.microsoft.com/office/2006/metadata/properties" xmlns:xsi="http://www.w3.org/2001/XMLSchema-instance" xmlns:pc="http://schemas.microsoft.com/office/infopath/2007/PartnerControls">
-  <documentManagement>
-    <TaxCatchAll xmlns="2551ef7e-3b29-44d1-a8ad-ef34c26bfc60">
-      <Value>241</Value>
-    </TaxCatchAll>
-    <BfhIntranetDepartmentText xmlns="4b463c31-e9b0-413b-88df-ea7e9f53a7ba">
-      <Terms xmlns="http://schemas.microsoft.com/office/infopath/2007/PartnerControls">
-        <TermInfo xmlns="http://schemas.microsoft.com/office/infopath/2007/PartnerControls">
-          <TermName xmlns="http://schemas.microsoft.com/office/infopath/2007/PartnerControls">Vorlage</TermName>
-          <TermId xmlns="http://schemas.microsoft.com/office/infopath/2007/PartnerControls">de1a6d3c-ac6a-4b34-8edd-308eb81066db</TermId>
-        </TermInfo>
-      </Terms>
-    </BfhIntranetDepartmentText>
-  </documentManagement>
-</p:properties>
-</file>
-
-<file path=customXml/item3.xml><?xml version="1.0" encoding="utf-8"?>
-<?mso-contentType ?>
-<FormTemplates xmlns="http://schemas.microsoft.com/sharepoint/v3/contenttype/forms">
-  <Display>DocumentLibraryForm</Display>
-  <Edit>DocumentLibraryForm</Edit>
-  <New>DocumentLibraryForm</New>
-</FormTemplates>
-</file>
-
 <file path=customXml/itemProps1.xml><?xml version="1.0" encoding="utf-8"?>
-<ds:datastoreItem xmlns:ds="http://schemas.openxmlformats.org/officeDocument/2006/customXml" ds:itemID="{8F3C1F62-CC3B-4F2A-BAEC-F8005B132EC9}">
+<ds:datastoreItem xmlns:ds="http://schemas.openxmlformats.org/officeDocument/2006/customXml" ds:itemID="{CCF5E5E7-7F77-47A8-99A9-B4D5839292F3}">
   <ds:schemaRefs>
-    <ds:schemaRef ds:uri="http://schemas.microsoft.com/office/2006/metadata/contentType"/>
-    <ds:schemaRef ds:uri="http://schemas.microsoft.com/office/2006/metadata/properties/metaAttributes"/>
-    <ds:schemaRef ds:uri="http://www.w3.org/2001/XMLSchema"/>
-    <ds:schemaRef ds:uri="http://schemas.microsoft.com/office/2006/metadata/properties"/>
-    <ds:schemaRef ds:uri="4b463c31-e9b0-413b-88df-ea7e9f53a7ba"/>
-    <ds:schemaRef ds:uri="2551ef7e-3b29-44d1-a8ad-ef34c26bfc60"/>
-    <ds:schemaRef ds:uri="http://schemas.microsoft.com/office/2006/documentManagement/types"/>
-    <ds:schemaRef ds:uri="http://schemas.microsoft.com/office/infopath/2007/PartnerControls"/>
-    <ds:schemaRef ds:uri="http://schemas.openxmlformats.org/package/2006/metadata/core-properties"/>
-    <ds:schemaRef ds:uri="http://purl.org/dc/elements/1.1/"/>
-    <ds:schemaRef ds:uri="http://purl.org/dc/terms/"/>
-    <ds:schemaRef ds:uri="http://schemas.microsoft.com/internal/obd"/>
+    <ds:schemaRef ds:uri="http://schemas.microsoft.com/sharepoint/v3/contenttype/forms"/>
   </ds:schemaRefs>
 </ds:datastoreItem>
 </file>
@@ -10971,9 +10958,20 @@
 </file>
 
 <file path=customXml/itemProps3.xml><?xml version="1.0" encoding="utf-8"?>
-<ds:datastoreItem xmlns:ds="http://schemas.openxmlformats.org/officeDocument/2006/customXml" ds:itemID="{CCF5E5E7-7F77-47A8-99A9-B4D5839292F3}">
+<ds:datastoreItem xmlns:ds="http://schemas.openxmlformats.org/officeDocument/2006/customXml" ds:itemID="{8F3C1F62-CC3B-4F2A-BAEC-F8005B132EC9}">
   <ds:schemaRefs>
-    <ds:schemaRef ds:uri="http://schemas.microsoft.com/sharepoint/v3/contenttype/forms"/>
+    <ds:schemaRef ds:uri="http://schemas.microsoft.com/office/2006/metadata/contentType"/>
+    <ds:schemaRef ds:uri="http://schemas.microsoft.com/office/2006/metadata/properties/metaAttributes"/>
+    <ds:schemaRef ds:uri="http://www.w3.org/2001/XMLSchema"/>
+    <ds:schemaRef ds:uri="http://schemas.microsoft.com/office/2006/metadata/properties"/>
+    <ds:schemaRef ds:uri="4b463c31-e9b0-413b-88df-ea7e9f53a7ba"/>
+    <ds:schemaRef ds:uri="2551ef7e-3b29-44d1-a8ad-ef34c26bfc60"/>
+    <ds:schemaRef ds:uri="http://schemas.microsoft.com/office/2006/documentManagement/types"/>
+    <ds:schemaRef ds:uri="http://schemas.microsoft.com/office/infopath/2007/PartnerControls"/>
+    <ds:schemaRef ds:uri="http://schemas.openxmlformats.org/package/2006/metadata/core-properties"/>
+    <ds:schemaRef ds:uri="http://purl.org/dc/elements/1.1/"/>
+    <ds:schemaRef ds:uri="http://purl.org/dc/terms/"/>
+    <ds:schemaRef ds:uri="http://schemas.microsoft.com/internal/obd"/>
   </ds:schemaRefs>
 </ds:datastoreItem>
 </file>